--- a/Section03/ENSOONI/ENSOONI.pptx
+++ b/Section03/ENSOONI/ENSOONI.pptx
@@ -8996,14 +8996,14 @@
   <p:clrMapOvr>
     <a:masterClrMapping/>
   </p:clrMapOvr>
-  <mc:AlternateContent xmlns:mc="http://schemas.openxmlformats.org/markup-compatibility/2006" xmlns:p14="http://schemas.microsoft.com/office/powerpoint/2010/main">
-    <mc:Choice Requires="p14">
-      <p:transition spd="med" p14:dur="700" advTm="7637">
+  <mc:AlternateContent xmlns:mc="http://schemas.openxmlformats.org/markup-compatibility/2006">
+    <mc:Choice xmlns:p14="http://schemas.microsoft.com/office/powerpoint/2010/main" Requires="p14">
+      <p:transition spd="med" p14:dur="700" advTm="6826">
         <p:fade/>
       </p:transition>
     </mc:Choice>
-    <mc:Fallback xmlns="">
-      <p:transition spd="med" advTm="7637">
+    <mc:Fallback>
+      <p:transition spd="med" advTm="6826">
         <p:fade/>
       </p:transition>
     </mc:Fallback>
@@ -9068,14 +9068,14 @@
   <p:clrMapOvr>
     <a:masterClrMapping/>
   </p:clrMapOvr>
-  <mc:AlternateContent xmlns:mc="http://schemas.openxmlformats.org/markup-compatibility/2006" xmlns:p14="http://schemas.microsoft.com/office/powerpoint/2010/main">
-    <mc:Choice Requires="p14">
-      <p:transition spd="med" p14:dur="700" advTm="22774">
+  <mc:AlternateContent xmlns:mc="http://schemas.openxmlformats.org/markup-compatibility/2006">
+    <mc:Choice xmlns:p14="http://schemas.microsoft.com/office/powerpoint/2010/main" Requires="p14">
+      <p:transition spd="med" p14:dur="700" advTm="13583">
         <p:fade/>
       </p:transition>
     </mc:Choice>
-    <mc:Fallback xmlns="">
-      <p:transition spd="med" advTm="22774">
+    <mc:Fallback>
+      <p:transition spd="med" advTm="13583">
         <p:fade/>
       </p:transition>
     </mc:Fallback>
@@ -9157,14 +9157,14 @@
   <p:clrMapOvr>
     <a:masterClrMapping/>
   </p:clrMapOvr>
-  <mc:AlternateContent xmlns:mc="http://schemas.openxmlformats.org/markup-compatibility/2006" xmlns:p14="http://schemas.microsoft.com/office/powerpoint/2010/main">
-    <mc:Choice Requires="p14">
-      <p:transition spd="med" p14:dur="700" advTm="21767">
+  <mc:AlternateContent xmlns:mc="http://schemas.openxmlformats.org/markup-compatibility/2006">
+    <mc:Choice xmlns:p14="http://schemas.microsoft.com/office/powerpoint/2010/main" Requires="p14">
+      <p:transition spd="med" p14:dur="700" advTm="7696">
         <p:fade/>
       </p:transition>
     </mc:Choice>
-    <mc:Fallback xmlns="">
-      <p:transition spd="med" advTm="21767">
+    <mc:Fallback>
+      <p:transition spd="med" advTm="7696">
         <p:fade/>
       </p:transition>
     </mc:Fallback>
@@ -9397,14 +9397,14 @@
   <p:clrMapOvr>
     <a:masterClrMapping/>
   </p:clrMapOvr>
-  <mc:AlternateContent xmlns:mc="http://schemas.openxmlformats.org/markup-compatibility/2006" xmlns:p14="http://schemas.microsoft.com/office/powerpoint/2010/main">
-    <mc:Choice Requires="p14">
-      <p:transition spd="med" p14:dur="700" advTm="10689">
+  <mc:AlternateContent xmlns:mc="http://schemas.openxmlformats.org/markup-compatibility/2006">
+    <mc:Choice xmlns:p14="http://schemas.microsoft.com/office/powerpoint/2010/main" Requires="p14">
+      <p:transition spd="med" p14:dur="700" advTm="7542">
         <p:fade/>
       </p:transition>
     </mc:Choice>
-    <mc:Fallback xmlns="">
-      <p:transition spd="med" advTm="10689">
+    <mc:Fallback>
+      <p:transition spd="med" advTm="7542">
         <p:fade/>
       </p:transition>
     </mc:Fallback>
@@ -9601,14 +9601,14 @@
   <p:clrMapOvr>
     <a:masterClrMapping/>
   </p:clrMapOvr>
-  <mc:AlternateContent xmlns:mc="http://schemas.openxmlformats.org/markup-compatibility/2006" xmlns:p14="http://schemas.microsoft.com/office/powerpoint/2010/main">
-    <mc:Choice Requires="p14">
-      <p:transition spd="med" p14:dur="700" advTm="2141">
+  <mc:AlternateContent xmlns:mc="http://schemas.openxmlformats.org/markup-compatibility/2006">
+    <mc:Choice xmlns:p14="http://schemas.microsoft.com/office/powerpoint/2010/main" Requires="p14">
+      <p:transition spd="med" p14:dur="700" advTm="4950">
         <p:fade/>
       </p:transition>
     </mc:Choice>
-    <mc:Fallback xmlns="">
-      <p:transition spd="med" advTm="2141">
+    <mc:Fallback>
+      <p:transition spd="med" advTm="4950">
         <p:fade/>
       </p:transition>
     </mc:Fallback>
@@ -9737,14 +9737,14 @@
   <p:clrMapOvr>
     <a:masterClrMapping/>
   </p:clrMapOvr>
-  <mc:AlternateContent xmlns:mc="http://schemas.openxmlformats.org/markup-compatibility/2006" xmlns:p14="http://schemas.microsoft.com/office/powerpoint/2010/main">
-    <mc:Choice Requires="p14">
-      <p:transition spd="med" p14:dur="700" advTm="2141">
+  <mc:AlternateContent xmlns:mc="http://schemas.openxmlformats.org/markup-compatibility/2006">
+    <mc:Choice xmlns:p14="http://schemas.microsoft.com/office/powerpoint/2010/main" Requires="p14">
+      <p:transition spd="med" p14:dur="700" advTm="1739">
         <p:fade/>
       </p:transition>
     </mc:Choice>
-    <mc:Fallback xmlns="">
-      <p:transition spd="med" advTm="2141">
+    <mc:Fallback>
+      <p:transition spd="med" advTm="1739">
         <p:fade/>
       </p:transition>
     </mc:Fallback>
@@ -9873,14 +9873,14 @@
   <p:clrMapOvr>
     <a:masterClrMapping/>
   </p:clrMapOvr>
-  <mc:AlternateContent xmlns:mc="http://schemas.openxmlformats.org/markup-compatibility/2006" xmlns:p14="http://schemas.microsoft.com/office/powerpoint/2010/main">
-    <mc:Choice Requires="p14">
-      <p:transition spd="med" p14:dur="700" advTm="2141">
+  <mc:AlternateContent xmlns:mc="http://schemas.openxmlformats.org/markup-compatibility/2006">
+    <mc:Choice xmlns:p14="http://schemas.microsoft.com/office/powerpoint/2010/main" Requires="p14">
+      <p:transition spd="med" p14:dur="700" advTm="2415">
         <p:fade/>
       </p:transition>
     </mc:Choice>
-    <mc:Fallback xmlns="">
-      <p:transition spd="med" advTm="2141">
+    <mc:Fallback>
+      <p:transition spd="med" advTm="2415">
         <p:fade/>
       </p:transition>
     </mc:Fallback>
@@ -9962,14 +9962,14 @@
   <p:clrMapOvr>
     <a:masterClrMapping/>
   </p:clrMapOvr>
-  <mc:AlternateContent xmlns:mc="http://schemas.openxmlformats.org/markup-compatibility/2006" xmlns:p14="http://schemas.microsoft.com/office/powerpoint/2010/main">
-    <mc:Choice Requires="p14">
-      <p:transition spd="med" p14:dur="700" advTm="2141">
+  <mc:AlternateContent xmlns:mc="http://schemas.openxmlformats.org/markup-compatibility/2006">
+    <mc:Choice xmlns:p14="http://schemas.microsoft.com/office/powerpoint/2010/main" Requires="p14">
+      <p:transition spd="med" p14:dur="700" advTm="10210">
         <p:fade/>
       </p:transition>
     </mc:Choice>
-    <mc:Fallback xmlns="">
-      <p:transition spd="med" advTm="2141">
+    <mc:Fallback>
+      <p:transition spd="med" advTm="10210">
         <p:fade/>
       </p:transition>
     </mc:Fallback>
@@ -10127,14 +10127,14 @@
   <p:clrMapOvr>
     <a:masterClrMapping/>
   </p:clrMapOvr>
-  <mc:AlternateContent xmlns:mc="http://schemas.openxmlformats.org/markup-compatibility/2006" xmlns:p14="http://schemas.microsoft.com/office/powerpoint/2010/main">
-    <mc:Choice Requires="p14">
-      <p:transition spd="med" p14:dur="700" advTm="9505">
+  <mc:AlternateContent xmlns:mc="http://schemas.openxmlformats.org/markup-compatibility/2006">
+    <mc:Choice xmlns:p14="http://schemas.microsoft.com/office/powerpoint/2010/main" Requires="p14">
+      <p:transition spd="med" p14:dur="700" advTm="9058">
         <p:fade/>
       </p:transition>
     </mc:Choice>
-    <mc:Fallback xmlns="">
-      <p:transition spd="med" advTm="9505">
+    <mc:Fallback>
+      <p:transition spd="med" advTm="9058">
         <p:fade/>
       </p:transition>
     </mc:Fallback>
@@ -10199,14 +10199,14 @@
   <p:clrMapOvr>
     <a:masterClrMapping/>
   </p:clrMapOvr>
-  <mc:AlternateContent xmlns:mc="http://schemas.openxmlformats.org/markup-compatibility/2006" xmlns:p14="http://schemas.microsoft.com/office/powerpoint/2010/main">
-    <mc:Choice Requires="p14">
-      <p:transition spd="med" p14:dur="700" advTm="6985">
+  <mc:AlternateContent xmlns:mc="http://schemas.openxmlformats.org/markup-compatibility/2006">
+    <mc:Choice xmlns:p14="http://schemas.microsoft.com/office/powerpoint/2010/main" Requires="p14">
+      <p:transition spd="med" p14:dur="700" advTm="8209">
         <p:fade/>
       </p:transition>
     </mc:Choice>
-    <mc:Fallback xmlns="">
-      <p:transition spd="med" advTm="6985">
+    <mc:Fallback>
+      <p:transition spd="med" advTm="8209">
         <p:fade/>
       </p:transition>
     </mc:Fallback>
@@ -10271,14 +10271,14 @@
   <p:clrMapOvr>
     <a:masterClrMapping/>
   </p:clrMapOvr>
-  <mc:AlternateContent xmlns:mc="http://schemas.openxmlformats.org/markup-compatibility/2006" xmlns:p14="http://schemas.microsoft.com/office/powerpoint/2010/main">
-    <mc:Choice Requires="p14">
-      <p:transition spd="med" p14:dur="700" advTm="6985">
+  <mc:AlternateContent xmlns:mc="http://schemas.openxmlformats.org/markup-compatibility/2006">
+    <mc:Choice xmlns:p14="http://schemas.microsoft.com/office/powerpoint/2010/main" Requires="p14">
+      <p:transition spd="med" p14:dur="700" advTm="8986">
         <p:fade/>
       </p:transition>
     </mc:Choice>
-    <mc:Fallback xmlns="">
-      <p:transition spd="med" advTm="6985">
+    <mc:Fallback>
+      <p:transition spd="med" advTm="8986">
         <p:fade/>
       </p:transition>
     </mc:Fallback>
@@ -10462,14 +10462,14 @@
   <p:clrMapOvr>
     <a:masterClrMapping/>
   </p:clrMapOvr>
-  <mc:AlternateContent xmlns:mc="http://schemas.openxmlformats.org/markup-compatibility/2006" xmlns:p14="http://schemas.microsoft.com/office/powerpoint/2010/main">
-    <mc:Choice Requires="p14">
-      <p:transition spd="med" p14:dur="700" advTm="25679">
+  <mc:AlternateContent xmlns:mc="http://schemas.openxmlformats.org/markup-compatibility/2006">
+    <mc:Choice xmlns:p14="http://schemas.microsoft.com/office/powerpoint/2010/main" Requires="p14">
+      <p:transition spd="med" p14:dur="700" advTm="43831">
         <p:fade/>
       </p:transition>
     </mc:Choice>
-    <mc:Fallback xmlns="">
-      <p:transition spd="med" advTm="25679">
+    <mc:Fallback>
+      <p:transition spd="med" advTm="43831">
         <p:fade/>
       </p:transition>
     </mc:Fallback>
@@ -10592,14 +10592,14 @@
   <p:clrMapOvr>
     <a:masterClrMapping/>
   </p:clrMapOvr>
-  <mc:AlternateContent xmlns:mc="http://schemas.openxmlformats.org/markup-compatibility/2006" xmlns:p14="http://schemas.microsoft.com/office/powerpoint/2010/main">
-    <mc:Choice Requires="p14">
-      <p:transition spd="med" p14:dur="700" advTm="6985">
+  <mc:AlternateContent xmlns:mc="http://schemas.openxmlformats.org/markup-compatibility/2006">
+    <mc:Choice xmlns:p14="http://schemas.microsoft.com/office/powerpoint/2010/main" Requires="p14">
+      <p:transition spd="med" p14:dur="700" advTm="6430">
         <p:fade/>
       </p:transition>
     </mc:Choice>
-    <mc:Fallback xmlns="">
-      <p:transition spd="med" advTm="6985">
+    <mc:Fallback>
+      <p:transition spd="med" advTm="6430">
         <p:fade/>
       </p:transition>
     </mc:Fallback>
@@ -10664,14 +10664,14 @@
   <p:clrMapOvr>
     <a:masterClrMapping/>
   </p:clrMapOvr>
-  <mc:AlternateContent xmlns:mc="http://schemas.openxmlformats.org/markup-compatibility/2006" xmlns:p14="http://schemas.microsoft.com/office/powerpoint/2010/main">
-    <mc:Choice Requires="p14">
-      <p:transition spd="med" p14:dur="700" advTm="6985">
+  <mc:AlternateContent xmlns:mc="http://schemas.openxmlformats.org/markup-compatibility/2006">
+    <mc:Choice xmlns:p14="http://schemas.microsoft.com/office/powerpoint/2010/main" Requires="p14">
+      <p:transition spd="med" p14:dur="700" advTm="6636">
         <p:fade/>
       </p:transition>
     </mc:Choice>
-    <mc:Fallback xmlns="">
-      <p:transition spd="med" advTm="6985">
+    <mc:Fallback>
+      <p:transition spd="med" advTm="6636">
         <p:fade/>
       </p:transition>
     </mc:Fallback>
@@ -10736,14 +10736,14 @@
   <p:clrMapOvr>
     <a:masterClrMapping/>
   </p:clrMapOvr>
-  <mc:AlternateContent xmlns:mc="http://schemas.openxmlformats.org/markup-compatibility/2006" xmlns:p14="http://schemas.microsoft.com/office/powerpoint/2010/main">
-    <mc:Choice Requires="p14">
-      <p:transition spd="med" p14:dur="700" advTm="6985">
+  <mc:AlternateContent xmlns:mc="http://schemas.openxmlformats.org/markup-compatibility/2006">
+    <mc:Choice xmlns:p14="http://schemas.microsoft.com/office/powerpoint/2010/main" Requires="p14">
+      <p:transition spd="med" p14:dur="700" advTm="6342">
         <p:fade/>
       </p:transition>
     </mc:Choice>
-    <mc:Fallback xmlns="">
-      <p:transition spd="med" advTm="6985">
+    <mc:Fallback>
+      <p:transition spd="med" advTm="6342">
         <p:fade/>
       </p:transition>
     </mc:Fallback>
@@ -10808,14 +10808,14 @@
   <p:clrMapOvr>
     <a:masterClrMapping/>
   </p:clrMapOvr>
-  <mc:AlternateContent xmlns:mc="http://schemas.openxmlformats.org/markup-compatibility/2006" xmlns:p14="http://schemas.microsoft.com/office/powerpoint/2010/main">
-    <mc:Choice Requires="p14">
-      <p:transition spd="med" p14:dur="700" advTm="6985">
+  <mc:AlternateContent xmlns:mc="http://schemas.openxmlformats.org/markup-compatibility/2006">
+    <mc:Choice xmlns:p14="http://schemas.microsoft.com/office/powerpoint/2010/main" Requires="p14">
+      <p:transition spd="med" p14:dur="700" advTm="10604">
         <p:fade/>
       </p:transition>
     </mc:Choice>
-    <mc:Fallback xmlns="">
-      <p:transition spd="med" advTm="6985">
+    <mc:Fallback>
+      <p:transition spd="med" advTm="10604">
         <p:fade/>
       </p:transition>
     </mc:Fallback>
@@ -10880,14 +10880,14 @@
   <p:clrMapOvr>
     <a:masterClrMapping/>
   </p:clrMapOvr>
-  <mc:AlternateContent xmlns:mc="http://schemas.openxmlformats.org/markup-compatibility/2006" xmlns:p14="http://schemas.microsoft.com/office/powerpoint/2010/main">
-    <mc:Choice Requires="p14">
-      <p:transition spd="med" p14:dur="700" advTm="6985">
+  <mc:AlternateContent xmlns:mc="http://schemas.openxmlformats.org/markup-compatibility/2006">
+    <mc:Choice xmlns:p14="http://schemas.microsoft.com/office/powerpoint/2010/main" Requires="p14">
+      <p:transition spd="med" p14:dur="700" advTm="8173">
         <p:fade/>
       </p:transition>
     </mc:Choice>
-    <mc:Fallback xmlns="">
-      <p:transition spd="med" advTm="6985">
+    <mc:Fallback>
+      <p:transition spd="med" advTm="8173">
         <p:fade/>
       </p:transition>
     </mc:Fallback>
@@ -10952,14 +10952,14 @@
   <p:clrMapOvr>
     <a:masterClrMapping/>
   </p:clrMapOvr>
-  <mc:AlternateContent xmlns:mc="http://schemas.openxmlformats.org/markup-compatibility/2006" xmlns:p14="http://schemas.microsoft.com/office/powerpoint/2010/main">
-    <mc:Choice Requires="p14">
-      <p:transition spd="med" p14:dur="700" advTm="6985">
+  <mc:AlternateContent xmlns:mc="http://schemas.openxmlformats.org/markup-compatibility/2006">
+    <mc:Choice xmlns:p14="http://schemas.microsoft.com/office/powerpoint/2010/main" Requires="p14">
+      <p:transition spd="med" p14:dur="700" advTm="3765">
         <p:fade/>
       </p:transition>
     </mc:Choice>
-    <mc:Fallback xmlns="">
-      <p:transition spd="med" advTm="6985">
+    <mc:Fallback>
+      <p:transition spd="med" advTm="3765">
         <p:fade/>
       </p:transition>
     </mc:Fallback>
@@ -11024,14 +11024,14 @@
   <p:clrMapOvr>
     <a:masterClrMapping/>
   </p:clrMapOvr>
-  <mc:AlternateContent xmlns:mc="http://schemas.openxmlformats.org/markup-compatibility/2006" xmlns:p14="http://schemas.microsoft.com/office/powerpoint/2010/main">
-    <mc:Choice Requires="p14">
-      <p:transition spd="med" p14:dur="700" advTm="6985">
+  <mc:AlternateContent xmlns:mc="http://schemas.openxmlformats.org/markup-compatibility/2006">
+    <mc:Choice xmlns:p14="http://schemas.microsoft.com/office/powerpoint/2010/main" Requires="p14">
+      <p:transition spd="med" p14:dur="700" advTm="18008">
         <p:fade/>
       </p:transition>
     </mc:Choice>
-    <mc:Fallback xmlns="">
-      <p:transition spd="med" advTm="6985">
+    <mc:Fallback>
+      <p:transition spd="med" advTm="18008">
         <p:fade/>
       </p:transition>
     </mc:Fallback>
@@ -11192,14 +11192,14 @@
   <p:clrMapOvr>
     <a:masterClrMapping/>
   </p:clrMapOvr>
-  <mc:AlternateContent xmlns:mc="http://schemas.openxmlformats.org/markup-compatibility/2006" xmlns:p14="http://schemas.microsoft.com/office/powerpoint/2010/main">
-    <mc:Choice Requires="p14">
-      <p:transition spd="med" p14:dur="700" advTm="6985">
+  <mc:AlternateContent xmlns:mc="http://schemas.openxmlformats.org/markup-compatibility/2006">
+    <mc:Choice xmlns:p14="http://schemas.microsoft.com/office/powerpoint/2010/main" Requires="p14">
+      <p:transition spd="med" p14:dur="700" advTm="10094">
         <p:fade/>
       </p:transition>
     </mc:Choice>
-    <mc:Fallback xmlns="">
-      <p:transition spd="med" advTm="6985">
+    <mc:Fallback>
+      <p:transition spd="med" advTm="10094">
         <p:fade/>
       </p:transition>
     </mc:Fallback>
@@ -11305,14 +11305,14 @@
   <p:clrMapOvr>
     <a:masterClrMapping/>
   </p:clrMapOvr>
-  <mc:AlternateContent xmlns:mc="http://schemas.openxmlformats.org/markup-compatibility/2006" xmlns:p14="http://schemas.microsoft.com/office/powerpoint/2010/main">
-    <mc:Choice Requires="p14">
-      <p:transition spd="med" p14:dur="700" advTm="2494">
+  <mc:AlternateContent xmlns:mc="http://schemas.openxmlformats.org/markup-compatibility/2006">
+    <mc:Choice xmlns:p14="http://schemas.microsoft.com/office/powerpoint/2010/main" Requires="p14">
+      <p:transition spd="med" p14:dur="700" advTm="4514">
         <p:fade/>
       </p:transition>
     </mc:Choice>
-    <mc:Fallback xmlns="">
-      <p:transition spd="med" advTm="2494">
+    <mc:Fallback>
+      <p:transition spd="med" advTm="4514">
         <p:fade/>
       </p:transition>
     </mc:Fallback>
@@ -11492,14 +11492,14 @@
   <p:clrMapOvr>
     <a:masterClrMapping/>
   </p:clrMapOvr>
-  <mc:AlternateContent xmlns:mc="http://schemas.openxmlformats.org/markup-compatibility/2006" xmlns:p14="http://schemas.microsoft.com/office/powerpoint/2010/main">
-    <mc:Choice Requires="p14">
-      <p:transition spd="med" p14:dur="700" advTm="14544">
+  <mc:AlternateContent xmlns:mc="http://schemas.openxmlformats.org/markup-compatibility/2006">
+    <mc:Choice xmlns:p14="http://schemas.microsoft.com/office/powerpoint/2010/main" Requires="p14">
+      <p:transition spd="med" p14:dur="700" advTm="14774">
         <p:fade/>
       </p:transition>
     </mc:Choice>
-    <mc:Fallback xmlns="">
-      <p:transition spd="med" advTm="14544">
+    <mc:Fallback>
+      <p:transition spd="med" advTm="14774">
         <p:fade/>
       </p:transition>
     </mc:Fallback>
@@ -11597,14 +11597,14 @@
   <p:clrMapOvr>
     <a:masterClrMapping/>
   </p:clrMapOvr>
-  <mc:AlternateContent xmlns:mc="http://schemas.openxmlformats.org/markup-compatibility/2006" xmlns:p14="http://schemas.microsoft.com/office/powerpoint/2010/main">
-    <mc:Choice Requires="p14">
-      <p:transition spd="med" p14:dur="700" advTm="1635">
+  <mc:AlternateContent xmlns:mc="http://schemas.openxmlformats.org/markup-compatibility/2006">
+    <mc:Choice xmlns:p14="http://schemas.microsoft.com/office/powerpoint/2010/main" Requires="p14">
+      <p:transition spd="med" p14:dur="700" advTm="2844">
         <p:fade/>
       </p:transition>
     </mc:Choice>
-    <mc:Fallback xmlns="">
-      <p:transition spd="med" advTm="1635">
+    <mc:Fallback>
+      <p:transition spd="med" advTm="2844">
         <p:fade/>
       </p:transition>
     </mc:Fallback>
@@ -11720,14 +11720,14 @@
   <p:clrMapOvr>
     <a:masterClrMapping/>
   </p:clrMapOvr>
-  <mc:AlternateContent xmlns:mc="http://schemas.openxmlformats.org/markup-compatibility/2006" xmlns:p14="http://schemas.microsoft.com/office/powerpoint/2010/main">
-    <mc:Choice Requires="p14">
-      <p:transition spd="med" p14:dur="700" advTm="12879">
+  <mc:AlternateContent xmlns:mc="http://schemas.openxmlformats.org/markup-compatibility/2006">
+    <mc:Choice xmlns:p14="http://schemas.microsoft.com/office/powerpoint/2010/main" Requires="p14">
+      <p:transition spd="med" p14:dur="700" advTm="11658">
         <p:fade/>
       </p:transition>
     </mc:Choice>
-    <mc:Fallback xmlns="">
-      <p:transition spd="med" advTm="12879">
+    <mc:Fallback>
+      <p:transition spd="med" advTm="11658">
         <p:fade/>
       </p:transition>
     </mc:Fallback>
@@ -11871,14 +11871,14 @@
   <p:clrMapOvr>
     <a:masterClrMapping/>
   </p:clrMapOvr>
-  <mc:AlternateContent xmlns:mc="http://schemas.openxmlformats.org/markup-compatibility/2006" xmlns:p14="http://schemas.microsoft.com/office/powerpoint/2010/main">
-    <mc:Choice Requires="p14">
-      <p:transition spd="med" p14:dur="700" advTm="5410">
+  <mc:AlternateContent xmlns:mc="http://schemas.openxmlformats.org/markup-compatibility/2006">
+    <mc:Choice xmlns:p14="http://schemas.microsoft.com/office/powerpoint/2010/main" Requires="p14">
+      <p:transition spd="med" p14:dur="700" advTm="4748">
         <p:fade/>
       </p:transition>
     </mc:Choice>
-    <mc:Fallback xmlns="">
-      <p:transition spd="med" advTm="5410">
+    <mc:Fallback>
+      <p:transition spd="med" advTm="4748">
         <p:fade/>
       </p:transition>
     </mc:Fallback>
@@ -12527,14 +12527,14 @@
   <p:clrMapOvr>
     <a:masterClrMapping/>
   </p:clrMapOvr>
-  <mc:AlternateContent xmlns:mc="http://schemas.openxmlformats.org/markup-compatibility/2006" xmlns:p14="http://schemas.microsoft.com/office/powerpoint/2010/main">
-    <mc:Choice Requires="p14">
-      <p:transition spd="med" p14:dur="700" advTm="14304">
+  <mc:AlternateContent xmlns:mc="http://schemas.openxmlformats.org/markup-compatibility/2006">
+    <mc:Choice xmlns:p14="http://schemas.microsoft.com/office/powerpoint/2010/main" Requires="p14">
+      <p:transition spd="med" p14:dur="700" advTm="38954">
         <p:fade/>
       </p:transition>
     </mc:Choice>
-    <mc:Fallback xmlns="">
-      <p:transition spd="med" advTm="14304">
+    <mc:Fallback>
+      <p:transition spd="med" advTm="38954">
         <p:fade/>
       </p:transition>
     </mc:Fallback>
@@ -12640,14 +12640,14 @@
   <p:clrMapOvr>
     <a:masterClrMapping/>
   </p:clrMapOvr>
-  <mc:AlternateContent xmlns:mc="http://schemas.openxmlformats.org/markup-compatibility/2006" xmlns:p14="http://schemas.microsoft.com/office/powerpoint/2010/main">
-    <mc:Choice Requires="p14">
-      <p:transition spd="med" p14:dur="700" advTm="1758">
+  <mc:AlternateContent xmlns:mc="http://schemas.openxmlformats.org/markup-compatibility/2006">
+    <mc:Choice xmlns:p14="http://schemas.microsoft.com/office/powerpoint/2010/main" Requires="p14">
+      <p:transition spd="med" p14:dur="700" advTm="2201">
         <p:fade/>
       </p:transition>
     </mc:Choice>
-    <mc:Fallback xmlns="">
-      <p:transition spd="med" advTm="1758">
+    <mc:Fallback>
+      <p:transition spd="med" advTm="2201">
         <p:fade/>
       </p:transition>
     </mc:Fallback>
@@ -12788,14 +12788,14 @@
   <p:clrMapOvr>
     <a:masterClrMapping/>
   </p:clrMapOvr>
-  <mc:AlternateContent xmlns:mc="http://schemas.openxmlformats.org/markup-compatibility/2006" xmlns:p14="http://schemas.microsoft.com/office/powerpoint/2010/main">
-    <mc:Choice Requires="p14">
-      <p:transition spd="med" p14:dur="700" advTm="15374">
+  <mc:AlternateContent xmlns:mc="http://schemas.openxmlformats.org/markup-compatibility/2006">
+    <mc:Choice xmlns:p14="http://schemas.microsoft.com/office/powerpoint/2010/main" Requires="p14">
+      <p:transition spd="med" p14:dur="700" advTm="10301">
         <p:fade/>
       </p:transition>
     </mc:Choice>
-    <mc:Fallback xmlns="">
-      <p:transition spd="med" advTm="15374">
+    <mc:Fallback>
+      <p:transition spd="med" advTm="10301">
         <p:fade/>
       </p:transition>
     </mc:Fallback>
@@ -12936,14 +12936,14 @@
   <p:clrMapOvr>
     <a:masterClrMapping/>
   </p:clrMapOvr>
-  <mc:AlternateContent xmlns:mc="http://schemas.openxmlformats.org/markup-compatibility/2006" xmlns:p14="http://schemas.microsoft.com/office/powerpoint/2010/main">
-    <mc:Choice Requires="p14">
-      <p:transition spd="med" p14:dur="700" advTm="15374">
+  <mc:AlternateContent xmlns:mc="http://schemas.openxmlformats.org/markup-compatibility/2006">
+    <mc:Choice xmlns:p14="http://schemas.microsoft.com/office/powerpoint/2010/main" Requires="p14">
+      <p:transition spd="med" p14:dur="700" advTm="12488">
         <p:fade/>
       </p:transition>
     </mc:Choice>
-    <mc:Fallback xmlns="">
-      <p:transition spd="med" advTm="15374">
+    <mc:Fallback>
+      <p:transition spd="med" advTm="12488">
         <p:fade/>
       </p:transition>
     </mc:Fallback>
@@ -13049,14 +13049,14 @@
   <p:clrMapOvr>
     <a:masterClrMapping/>
   </p:clrMapOvr>
-  <mc:AlternateContent xmlns:mc="http://schemas.openxmlformats.org/markup-compatibility/2006" xmlns:p14="http://schemas.microsoft.com/office/powerpoint/2010/main">
-    <mc:Choice Requires="p14">
-      <p:transition spd="med" p14:dur="700" advTm="2061">
+  <mc:AlternateContent xmlns:mc="http://schemas.openxmlformats.org/markup-compatibility/2006">
+    <mc:Choice xmlns:p14="http://schemas.microsoft.com/office/powerpoint/2010/main" Requires="p14">
+      <p:transition spd="med" p14:dur="700" advTm="3631">
         <p:fade/>
       </p:transition>
     </mc:Choice>
-    <mc:Fallback xmlns="">
-      <p:transition spd="med" advTm="2061">
+    <mc:Fallback>
+      <p:transition spd="med" advTm="3631">
         <p:fade/>
       </p:transition>
     </mc:Fallback>
@@ -13494,14 +13494,14 @@
   <p:clrMapOvr>
     <a:masterClrMapping/>
   </p:clrMapOvr>
-  <mc:AlternateContent xmlns:mc="http://schemas.openxmlformats.org/markup-compatibility/2006" xmlns:p14="http://schemas.microsoft.com/office/powerpoint/2010/main">
-    <mc:Choice Requires="p14">
-      <p:transition spd="med" p14:dur="700" advTm="26786">
+  <mc:AlternateContent xmlns:mc="http://schemas.openxmlformats.org/markup-compatibility/2006">
+    <mc:Choice xmlns:p14="http://schemas.microsoft.com/office/powerpoint/2010/main" Requires="p14">
+      <p:transition spd="med" p14:dur="700" advTm="23949">
         <p:fade/>
       </p:transition>
     </mc:Choice>
-    <mc:Fallback xmlns="">
-      <p:transition spd="med" advTm="26786">
+    <mc:Fallback>
+      <p:transition spd="med" advTm="23949">
         <p:fade/>
       </p:transition>
     </mc:Fallback>

--- a/Section03/ENSOONI/ENSOONI.pptx
+++ b/Section03/ENSOONI/ENSOONI.pptx
@@ -285,7 +285,7 @@
             <a:pPr rtl="0"/>
             <a:fld id="{FAB3E6E3-061B-41A2-BBDC-C5312A04A40A}" type="datetime1">
               <a:rPr lang="es-ES" smtClean="0"/>
-              <a:t>10/02/2023</a:t>
+              <a:t>11/02/2023</a:t>
             </a:fld>
             <a:endParaRPr lang="es-ES" dirty="0"/>
           </a:p>
@@ -455,7 +455,7 @@
             <a:pPr rtl="0"/>
             <a:fld id="{2145992C-CBBF-4F24-8325-F5CB0EAAC0E9}" type="datetime1">
               <a:rPr lang="es-ES" noProof="0" smtClean="0"/>
-              <a:t>10/02/2023</a:t>
+              <a:t>11/02/2023</a:t>
             </a:fld>
             <a:endParaRPr lang="es-ES" noProof="0" dirty="0"/>
           </a:p>
@@ -3594,7 +3594,7 @@
             <a:pPr rtl="0"/>
             <a:fld id="{55224D71-97F5-4B9D-B11B-235152E09E96}" type="datetime1">
               <a:rPr lang="es-ES" noProof="0" smtClean="0"/>
-              <a:t>10/02/2023</a:t>
+              <a:t>11/02/2023</a:t>
             </a:fld>
             <a:endParaRPr lang="es-ES" noProof="0" dirty="0"/>
           </a:p>
@@ -3943,7 +3943,7 @@
             <a:pPr rtl="0"/>
             <a:fld id="{2AB3A384-AAB1-4A76-A43B-EFE930A802BF}" type="datetime1">
               <a:rPr lang="es-ES" noProof="0" smtClean="0"/>
-              <a:t>10/02/2023</a:t>
+              <a:t>11/02/2023</a:t>
             </a:fld>
             <a:endParaRPr lang="es-ES" noProof="0" dirty="0"/>
           </a:p>
@@ -4085,7 +4085,7 @@
             <a:pPr rtl="0"/>
             <a:fld id="{95F109E8-29A7-4A4D-BBAF-954B5246DC6B}" type="datetime1">
               <a:rPr lang="es-ES" noProof="0" smtClean="0"/>
-              <a:t>10/02/2023</a:t>
+              <a:t>11/02/2023</a:t>
             </a:fld>
             <a:endParaRPr lang="es-ES" noProof="0" dirty="0"/>
           </a:p>
@@ -4199,7 +4199,7 @@
             <a:pPr rtl="0"/>
             <a:fld id="{3EDF4B7F-437B-43B6-8193-868254AADFEB}" type="datetime1">
               <a:rPr lang="es-ES" noProof="0" smtClean="0"/>
-              <a:t>10/02/2023</a:t>
+              <a:t>11/02/2023</a:t>
             </a:fld>
             <a:endParaRPr lang="es-ES" noProof="0" dirty="0"/>
           </a:p>
@@ -4499,7 +4499,7 @@
             <a:pPr rtl="0"/>
             <a:fld id="{5FD9D2A0-9803-4B3F-A6B6-606959F35242}" type="datetime1">
               <a:rPr lang="es-ES" noProof="0" smtClean="0"/>
-              <a:t>10/02/2023</a:t>
+              <a:t>11/02/2023</a:t>
             </a:fld>
             <a:endParaRPr lang="es-ES" noProof="0" dirty="0"/>
           </a:p>
@@ -4770,7 +4770,7 @@
             <a:pPr rtl="0"/>
             <a:fld id="{B48CB6FA-6884-4007-A174-A67BE7A1CA93}" type="datetime1">
               <a:rPr lang="es-ES" noProof="0" smtClean="0"/>
-              <a:t>10/02/2023</a:t>
+              <a:t>11/02/2023</a:t>
             </a:fld>
             <a:endParaRPr lang="es-ES" noProof="0" dirty="0"/>
           </a:p>
@@ -5041,7 +5041,7 @@
             <a:pPr rtl="0"/>
             <a:fld id="{DCA87387-1199-4F13-92EC-EA845724990E}" type="datetime1">
               <a:rPr lang="es-ES" noProof="0" smtClean="0"/>
-              <a:t>10/02/2023</a:t>
+              <a:t>11/02/2023</a:t>
             </a:fld>
             <a:endParaRPr lang="es-ES" noProof="0" dirty="0"/>
           </a:p>
@@ -5219,7 +5219,7 @@
             <a:pPr rtl="0"/>
             <a:fld id="{0277B9E3-6C0A-45A5-BAE5-CD19B242173D}" type="datetime1">
               <a:rPr lang="es-ES" noProof="0" smtClean="0"/>
-              <a:t>10/02/2023</a:t>
+              <a:t>11/02/2023</a:t>
             </a:fld>
             <a:endParaRPr lang="es-ES" noProof="0" dirty="0"/>
           </a:p>
@@ -5407,7 +5407,7 @@
             <a:pPr rtl="0"/>
             <a:fld id="{AB41DD2C-FA4F-413E-A1B5-23565A0780B7}" type="datetime1">
               <a:rPr lang="es-ES" noProof="0" smtClean="0"/>
-              <a:t>10/02/2023</a:t>
+              <a:t>11/02/2023</a:t>
             </a:fld>
             <a:endParaRPr lang="es-ES" noProof="0" dirty="0"/>
           </a:p>
@@ -5657,7 +5657,7 @@
             <a:pPr rtl="0"/>
             <a:fld id="{0D82DBE2-B5E9-4999-A9C0-55ED93FCE73D}" type="datetime1">
               <a:rPr lang="es-ES" noProof="0" smtClean="0"/>
-              <a:t>10/02/2023</a:t>
+              <a:t>11/02/2023</a:t>
             </a:fld>
             <a:endParaRPr lang="es-ES" noProof="0" dirty="0"/>
           </a:p>
@@ -5907,7 +5907,7 @@
             <a:pPr rtl="0"/>
             <a:fld id="{89B7BC24-C90D-4DAD-A6CB-BBA58C4D57BB}" type="datetime1">
               <a:rPr lang="es-ES" noProof="0" smtClean="0"/>
-              <a:t>10/02/2023</a:t>
+              <a:t>11/02/2023</a:t>
             </a:fld>
             <a:endParaRPr lang="es-ES" noProof="0" dirty="0"/>
           </a:p>
@@ -6170,7 +6170,7 @@
             <a:pPr rtl="0"/>
             <a:fld id="{217D4995-77A4-48E5-92B1-2DC992A39FBB}" type="datetime1">
               <a:rPr lang="es-ES" noProof="0" smtClean="0"/>
-              <a:t>10/02/2023</a:t>
+              <a:t>11/02/2023</a:t>
             </a:fld>
             <a:endParaRPr lang="es-ES" noProof="0" dirty="0"/>
           </a:p>
@@ -6444,7 +6444,7 @@
             <a:pPr rtl="0"/>
             <a:fld id="{AE8112B3-1F24-452F-80DE-56BF301098EC}" type="datetime1">
               <a:rPr lang="es-ES" noProof="0" smtClean="0"/>
-              <a:t>10/02/2023</a:t>
+              <a:t>11/02/2023</a:t>
             </a:fld>
             <a:endParaRPr lang="es-ES" noProof="0" dirty="0"/>
           </a:p>
@@ -6810,7 +6810,7 @@
             <a:pPr rtl="0"/>
             <a:fld id="{39B46DA2-8C2E-44C4-A865-CD3D33CFD45F}" type="datetime1">
               <a:rPr lang="es-ES" noProof="0" smtClean="0"/>
-              <a:t>10/02/2023</a:t>
+              <a:t>11/02/2023</a:t>
             </a:fld>
             <a:endParaRPr lang="es-ES" noProof="0" dirty="0"/>
           </a:p>
@@ -7165,7 +7165,7 @@
             <a:pPr rtl="0"/>
             <a:fld id="{D1525062-C568-4AE5-A98F-45E6D6D3E9AC}" type="datetime1">
               <a:rPr lang="es-ES" noProof="0" smtClean="0"/>
-              <a:t>10/02/2023</a:t>
+              <a:t>11/02/2023</a:t>
             </a:fld>
             <a:endParaRPr lang="es-ES" noProof="0" dirty="0"/>
           </a:p>
@@ -7660,7 +7660,7 @@
             <a:pPr rtl="0"/>
             <a:fld id="{8EBA81B0-EA87-4E7B-A74D-942650D6BCED}" type="datetime1">
               <a:rPr lang="es-ES" noProof="0" smtClean="0"/>
-              <a:t>10/02/2023</a:t>
+              <a:t>11/02/2023</a:t>
             </a:fld>
             <a:endParaRPr lang="es-ES" noProof="0" dirty="0"/>
           </a:p>
@@ -8155,7 +8155,7 @@
             <a:pPr rtl="0"/>
             <a:fld id="{F6653BDA-CE15-46D4-A5A4-C9E9758DEFB2}" type="datetime1">
               <a:rPr lang="es-ES" noProof="0" smtClean="0"/>
-              <a:t>10/02/2023</a:t>
+              <a:t>11/02/2023</a:t>
             </a:fld>
             <a:endParaRPr lang="es-ES" noProof="0" dirty="0"/>
           </a:p>
@@ -8379,7 +8379,7 @@
             <a:pPr rtl="0"/>
             <a:fld id="{72696FBB-EB5C-4293-9014-59E70AE1A5E6}" type="datetime1">
               <a:rPr lang="es-ES" noProof="0" smtClean="0"/>
-              <a:t>10/02/2023</a:t>
+              <a:t>11/02/2023</a:t>
             </a:fld>
             <a:endParaRPr lang="es-ES" noProof="0" dirty="0"/>
           </a:p>
@@ -8996,13 +8996,13 @@
   <p:clrMapOvr>
     <a:masterClrMapping/>
   </p:clrMapOvr>
-  <mc:AlternateContent xmlns:mc="http://schemas.openxmlformats.org/markup-compatibility/2006">
-    <mc:Choice xmlns:p14="http://schemas.microsoft.com/office/powerpoint/2010/main" Requires="p14">
+  <mc:AlternateContent xmlns:mc="http://schemas.openxmlformats.org/markup-compatibility/2006" xmlns:p14="http://schemas.microsoft.com/office/powerpoint/2010/main">
+    <mc:Choice Requires="p14">
       <p:transition spd="med" p14:dur="700" advTm="6826">
         <p:fade/>
       </p:transition>
     </mc:Choice>
-    <mc:Fallback>
+    <mc:Fallback xmlns="">
       <p:transition spd="med" advTm="6826">
         <p:fade/>
       </p:transition>
@@ -9068,13 +9068,13 @@
   <p:clrMapOvr>
     <a:masterClrMapping/>
   </p:clrMapOvr>
-  <mc:AlternateContent xmlns:mc="http://schemas.openxmlformats.org/markup-compatibility/2006">
-    <mc:Choice xmlns:p14="http://schemas.microsoft.com/office/powerpoint/2010/main" Requires="p14">
+  <mc:AlternateContent xmlns:mc="http://schemas.openxmlformats.org/markup-compatibility/2006" xmlns:p14="http://schemas.microsoft.com/office/powerpoint/2010/main">
+    <mc:Choice Requires="p14">
       <p:transition spd="med" p14:dur="700" advTm="13583">
         <p:fade/>
       </p:transition>
     </mc:Choice>
-    <mc:Fallback>
+    <mc:Fallback xmlns="">
       <p:transition spd="med" advTm="13583">
         <p:fade/>
       </p:transition>
@@ -9157,13 +9157,13 @@
   <p:clrMapOvr>
     <a:masterClrMapping/>
   </p:clrMapOvr>
-  <mc:AlternateContent xmlns:mc="http://schemas.openxmlformats.org/markup-compatibility/2006">
-    <mc:Choice xmlns:p14="http://schemas.microsoft.com/office/powerpoint/2010/main" Requires="p14">
+  <mc:AlternateContent xmlns:mc="http://schemas.openxmlformats.org/markup-compatibility/2006" xmlns:p14="http://schemas.microsoft.com/office/powerpoint/2010/main">
+    <mc:Choice Requires="p14">
       <p:transition spd="med" p14:dur="700" advTm="7696">
         <p:fade/>
       </p:transition>
     </mc:Choice>
-    <mc:Fallback>
+    <mc:Fallback xmlns="">
       <p:transition spd="med" advTm="7696">
         <p:fade/>
       </p:transition>
@@ -9397,13 +9397,13 @@
   <p:clrMapOvr>
     <a:masterClrMapping/>
   </p:clrMapOvr>
-  <mc:AlternateContent xmlns:mc="http://schemas.openxmlformats.org/markup-compatibility/2006">
-    <mc:Choice xmlns:p14="http://schemas.microsoft.com/office/powerpoint/2010/main" Requires="p14">
+  <mc:AlternateContent xmlns:mc="http://schemas.openxmlformats.org/markup-compatibility/2006" xmlns:p14="http://schemas.microsoft.com/office/powerpoint/2010/main">
+    <mc:Choice Requires="p14">
       <p:transition spd="med" p14:dur="700" advTm="7542">
         <p:fade/>
       </p:transition>
     </mc:Choice>
-    <mc:Fallback>
+    <mc:Fallback xmlns="">
       <p:transition spd="med" advTm="7542">
         <p:fade/>
       </p:transition>
@@ -9601,13 +9601,13 @@
   <p:clrMapOvr>
     <a:masterClrMapping/>
   </p:clrMapOvr>
-  <mc:AlternateContent xmlns:mc="http://schemas.openxmlformats.org/markup-compatibility/2006">
-    <mc:Choice xmlns:p14="http://schemas.microsoft.com/office/powerpoint/2010/main" Requires="p14">
+  <mc:AlternateContent xmlns:mc="http://schemas.openxmlformats.org/markup-compatibility/2006" xmlns:p14="http://schemas.microsoft.com/office/powerpoint/2010/main">
+    <mc:Choice Requires="p14">
       <p:transition spd="med" p14:dur="700" advTm="4950">
         <p:fade/>
       </p:transition>
     </mc:Choice>
-    <mc:Fallback>
+    <mc:Fallback xmlns="">
       <p:transition spd="med" advTm="4950">
         <p:fade/>
       </p:transition>
@@ -9737,13 +9737,13 @@
   <p:clrMapOvr>
     <a:masterClrMapping/>
   </p:clrMapOvr>
-  <mc:AlternateContent xmlns:mc="http://schemas.openxmlformats.org/markup-compatibility/2006">
-    <mc:Choice xmlns:p14="http://schemas.microsoft.com/office/powerpoint/2010/main" Requires="p14">
+  <mc:AlternateContent xmlns:mc="http://schemas.openxmlformats.org/markup-compatibility/2006" xmlns:p14="http://schemas.microsoft.com/office/powerpoint/2010/main">
+    <mc:Choice Requires="p14">
       <p:transition spd="med" p14:dur="700" advTm="1739">
         <p:fade/>
       </p:transition>
     </mc:Choice>
-    <mc:Fallback>
+    <mc:Fallback xmlns="">
       <p:transition spd="med" advTm="1739">
         <p:fade/>
       </p:transition>
@@ -9873,13 +9873,13 @@
   <p:clrMapOvr>
     <a:masterClrMapping/>
   </p:clrMapOvr>
-  <mc:AlternateContent xmlns:mc="http://schemas.openxmlformats.org/markup-compatibility/2006">
-    <mc:Choice xmlns:p14="http://schemas.microsoft.com/office/powerpoint/2010/main" Requires="p14">
+  <mc:AlternateContent xmlns:mc="http://schemas.openxmlformats.org/markup-compatibility/2006" xmlns:p14="http://schemas.microsoft.com/office/powerpoint/2010/main">
+    <mc:Choice Requires="p14">
       <p:transition spd="med" p14:dur="700" advTm="2415">
         <p:fade/>
       </p:transition>
     </mc:Choice>
-    <mc:Fallback>
+    <mc:Fallback xmlns="">
       <p:transition spd="med" advTm="2415">
         <p:fade/>
       </p:transition>
@@ -9962,13 +9962,13 @@
   <p:clrMapOvr>
     <a:masterClrMapping/>
   </p:clrMapOvr>
-  <mc:AlternateContent xmlns:mc="http://schemas.openxmlformats.org/markup-compatibility/2006">
-    <mc:Choice xmlns:p14="http://schemas.microsoft.com/office/powerpoint/2010/main" Requires="p14">
+  <mc:AlternateContent xmlns:mc="http://schemas.openxmlformats.org/markup-compatibility/2006" xmlns:p14="http://schemas.microsoft.com/office/powerpoint/2010/main">
+    <mc:Choice Requires="p14">
       <p:transition spd="med" p14:dur="700" advTm="10210">
         <p:fade/>
       </p:transition>
     </mc:Choice>
-    <mc:Fallback>
+    <mc:Fallback xmlns="">
       <p:transition spd="med" advTm="10210">
         <p:fade/>
       </p:transition>
@@ -10034,7 +10034,7 @@
                 <a:ea typeface="Segoe UI Black" panose="020B0A02040204020203" pitchFamily="34" charset="0"/>
                 <a:cs typeface="Segoe UI" panose="020B0502040204020203" pitchFamily="34" charset="0"/>
               </a:rPr>
-              <a:t>Durante el proceso de ejecución del script, se generan automáticamente un reporte científico integrado de resultados en formato </a:t>
+              <a:t>Durante el proceso de ejecución del script, se genera automáticamente un reporte científico integrado de resultados en formato </a:t>
             </a:r>
             <a:r>
               <a:rPr lang="es-CO" sz="2400" dirty="0" err="1">
@@ -10127,13 +10127,13 @@
   <p:clrMapOvr>
     <a:masterClrMapping/>
   </p:clrMapOvr>
-  <mc:AlternateContent xmlns:mc="http://schemas.openxmlformats.org/markup-compatibility/2006">
-    <mc:Choice xmlns:p14="http://schemas.microsoft.com/office/powerpoint/2010/main" Requires="p14">
+  <mc:AlternateContent xmlns:mc="http://schemas.openxmlformats.org/markup-compatibility/2006" xmlns:p14="http://schemas.microsoft.com/office/powerpoint/2010/main">
+    <mc:Choice Requires="p14">
       <p:transition spd="med" p14:dur="700" advTm="9058">
         <p:fade/>
       </p:transition>
     </mc:Choice>
-    <mc:Fallback>
+    <mc:Fallback xmlns="">
       <p:transition spd="med" advTm="9058">
         <p:fade/>
       </p:transition>
@@ -10199,13 +10199,13 @@
   <p:clrMapOvr>
     <a:masterClrMapping/>
   </p:clrMapOvr>
-  <mc:AlternateContent xmlns:mc="http://schemas.openxmlformats.org/markup-compatibility/2006">
-    <mc:Choice xmlns:p14="http://schemas.microsoft.com/office/powerpoint/2010/main" Requires="p14">
+  <mc:AlternateContent xmlns:mc="http://schemas.openxmlformats.org/markup-compatibility/2006" xmlns:p14="http://schemas.microsoft.com/office/powerpoint/2010/main">
+    <mc:Choice Requires="p14">
       <p:transition spd="med" p14:dur="700" advTm="8209">
         <p:fade/>
       </p:transition>
     </mc:Choice>
-    <mc:Fallback>
+    <mc:Fallback xmlns="">
       <p:transition spd="med" advTm="8209">
         <p:fade/>
       </p:transition>
@@ -10271,13 +10271,13 @@
   <p:clrMapOvr>
     <a:masterClrMapping/>
   </p:clrMapOvr>
-  <mc:AlternateContent xmlns:mc="http://schemas.openxmlformats.org/markup-compatibility/2006">
-    <mc:Choice xmlns:p14="http://schemas.microsoft.com/office/powerpoint/2010/main" Requires="p14">
+  <mc:AlternateContent xmlns:mc="http://schemas.openxmlformats.org/markup-compatibility/2006" xmlns:p14="http://schemas.microsoft.com/office/powerpoint/2010/main">
+    <mc:Choice Requires="p14">
       <p:transition spd="med" p14:dur="700" advTm="8986">
         <p:fade/>
       </p:transition>
     </mc:Choice>
-    <mc:Fallback>
+    <mc:Fallback xmlns="">
       <p:transition spd="med" advTm="8986">
         <p:fade/>
       </p:transition>
@@ -10462,13 +10462,13 @@
   <p:clrMapOvr>
     <a:masterClrMapping/>
   </p:clrMapOvr>
-  <mc:AlternateContent xmlns:mc="http://schemas.openxmlformats.org/markup-compatibility/2006">
-    <mc:Choice xmlns:p14="http://schemas.microsoft.com/office/powerpoint/2010/main" Requires="p14">
+  <mc:AlternateContent xmlns:mc="http://schemas.openxmlformats.org/markup-compatibility/2006" xmlns:p14="http://schemas.microsoft.com/office/powerpoint/2010/main">
+    <mc:Choice Requires="p14">
       <p:transition spd="med" p14:dur="700" advTm="43831">
         <p:fade/>
       </p:transition>
     </mc:Choice>
-    <mc:Fallback>
+    <mc:Fallback xmlns="">
       <p:transition spd="med" advTm="43831">
         <p:fade/>
       </p:transition>
@@ -10592,13 +10592,13 @@
   <p:clrMapOvr>
     <a:masterClrMapping/>
   </p:clrMapOvr>
-  <mc:AlternateContent xmlns:mc="http://schemas.openxmlformats.org/markup-compatibility/2006">
-    <mc:Choice xmlns:p14="http://schemas.microsoft.com/office/powerpoint/2010/main" Requires="p14">
+  <mc:AlternateContent xmlns:mc="http://schemas.openxmlformats.org/markup-compatibility/2006" xmlns:p14="http://schemas.microsoft.com/office/powerpoint/2010/main">
+    <mc:Choice Requires="p14">
       <p:transition spd="med" p14:dur="700" advTm="6430">
         <p:fade/>
       </p:transition>
     </mc:Choice>
-    <mc:Fallback>
+    <mc:Fallback xmlns="">
       <p:transition spd="med" advTm="6430">
         <p:fade/>
       </p:transition>
@@ -10664,13 +10664,13 @@
   <p:clrMapOvr>
     <a:masterClrMapping/>
   </p:clrMapOvr>
-  <mc:AlternateContent xmlns:mc="http://schemas.openxmlformats.org/markup-compatibility/2006">
-    <mc:Choice xmlns:p14="http://schemas.microsoft.com/office/powerpoint/2010/main" Requires="p14">
+  <mc:AlternateContent xmlns:mc="http://schemas.openxmlformats.org/markup-compatibility/2006" xmlns:p14="http://schemas.microsoft.com/office/powerpoint/2010/main">
+    <mc:Choice Requires="p14">
       <p:transition spd="med" p14:dur="700" advTm="6636">
         <p:fade/>
       </p:transition>
     </mc:Choice>
-    <mc:Fallback>
+    <mc:Fallback xmlns="">
       <p:transition spd="med" advTm="6636">
         <p:fade/>
       </p:transition>
@@ -10736,13 +10736,13 @@
   <p:clrMapOvr>
     <a:masterClrMapping/>
   </p:clrMapOvr>
-  <mc:AlternateContent xmlns:mc="http://schemas.openxmlformats.org/markup-compatibility/2006">
-    <mc:Choice xmlns:p14="http://schemas.microsoft.com/office/powerpoint/2010/main" Requires="p14">
+  <mc:AlternateContent xmlns:mc="http://schemas.openxmlformats.org/markup-compatibility/2006" xmlns:p14="http://schemas.microsoft.com/office/powerpoint/2010/main">
+    <mc:Choice Requires="p14">
       <p:transition spd="med" p14:dur="700" advTm="6342">
         <p:fade/>
       </p:transition>
     </mc:Choice>
-    <mc:Fallback>
+    <mc:Fallback xmlns="">
       <p:transition spd="med" advTm="6342">
         <p:fade/>
       </p:transition>
@@ -10808,13 +10808,13 @@
   <p:clrMapOvr>
     <a:masterClrMapping/>
   </p:clrMapOvr>
-  <mc:AlternateContent xmlns:mc="http://schemas.openxmlformats.org/markup-compatibility/2006">
-    <mc:Choice xmlns:p14="http://schemas.microsoft.com/office/powerpoint/2010/main" Requires="p14">
+  <mc:AlternateContent xmlns:mc="http://schemas.openxmlformats.org/markup-compatibility/2006" xmlns:p14="http://schemas.microsoft.com/office/powerpoint/2010/main">
+    <mc:Choice Requires="p14">
       <p:transition spd="med" p14:dur="700" advTm="10604">
         <p:fade/>
       </p:transition>
     </mc:Choice>
-    <mc:Fallback>
+    <mc:Fallback xmlns="">
       <p:transition spd="med" advTm="10604">
         <p:fade/>
       </p:transition>
@@ -10880,13 +10880,13 @@
   <p:clrMapOvr>
     <a:masterClrMapping/>
   </p:clrMapOvr>
-  <mc:AlternateContent xmlns:mc="http://schemas.openxmlformats.org/markup-compatibility/2006">
-    <mc:Choice xmlns:p14="http://schemas.microsoft.com/office/powerpoint/2010/main" Requires="p14">
+  <mc:AlternateContent xmlns:mc="http://schemas.openxmlformats.org/markup-compatibility/2006" xmlns:p14="http://schemas.microsoft.com/office/powerpoint/2010/main">
+    <mc:Choice Requires="p14">
       <p:transition spd="med" p14:dur="700" advTm="8173">
         <p:fade/>
       </p:transition>
     </mc:Choice>
-    <mc:Fallback>
+    <mc:Fallback xmlns="">
       <p:transition spd="med" advTm="8173">
         <p:fade/>
       </p:transition>
@@ -10952,13 +10952,13 @@
   <p:clrMapOvr>
     <a:masterClrMapping/>
   </p:clrMapOvr>
-  <mc:AlternateContent xmlns:mc="http://schemas.openxmlformats.org/markup-compatibility/2006">
-    <mc:Choice xmlns:p14="http://schemas.microsoft.com/office/powerpoint/2010/main" Requires="p14">
+  <mc:AlternateContent xmlns:mc="http://schemas.openxmlformats.org/markup-compatibility/2006" xmlns:p14="http://schemas.microsoft.com/office/powerpoint/2010/main">
+    <mc:Choice Requires="p14">
       <p:transition spd="med" p14:dur="700" advTm="3765">
         <p:fade/>
       </p:transition>
     </mc:Choice>
-    <mc:Fallback>
+    <mc:Fallback xmlns="">
       <p:transition spd="med" advTm="3765">
         <p:fade/>
       </p:transition>
@@ -11024,13 +11024,13 @@
   <p:clrMapOvr>
     <a:masterClrMapping/>
   </p:clrMapOvr>
-  <mc:AlternateContent xmlns:mc="http://schemas.openxmlformats.org/markup-compatibility/2006">
-    <mc:Choice xmlns:p14="http://schemas.microsoft.com/office/powerpoint/2010/main" Requires="p14">
+  <mc:AlternateContent xmlns:mc="http://schemas.openxmlformats.org/markup-compatibility/2006" xmlns:p14="http://schemas.microsoft.com/office/powerpoint/2010/main">
+    <mc:Choice Requires="p14">
       <p:transition spd="med" p14:dur="700" advTm="18008">
         <p:fade/>
       </p:transition>
     </mc:Choice>
-    <mc:Fallback>
+    <mc:Fallback xmlns="">
       <p:transition spd="med" advTm="18008">
         <p:fade/>
       </p:transition>
@@ -11192,13 +11192,13 @@
   <p:clrMapOvr>
     <a:masterClrMapping/>
   </p:clrMapOvr>
-  <mc:AlternateContent xmlns:mc="http://schemas.openxmlformats.org/markup-compatibility/2006">
-    <mc:Choice xmlns:p14="http://schemas.microsoft.com/office/powerpoint/2010/main" Requires="p14">
+  <mc:AlternateContent xmlns:mc="http://schemas.openxmlformats.org/markup-compatibility/2006" xmlns:p14="http://schemas.microsoft.com/office/powerpoint/2010/main">
+    <mc:Choice Requires="p14">
       <p:transition spd="med" p14:dur="700" advTm="10094">
         <p:fade/>
       </p:transition>
     </mc:Choice>
-    <mc:Fallback>
+    <mc:Fallback xmlns="">
       <p:transition spd="med" advTm="10094">
         <p:fade/>
       </p:transition>
@@ -11305,13 +11305,13 @@
   <p:clrMapOvr>
     <a:masterClrMapping/>
   </p:clrMapOvr>
-  <mc:AlternateContent xmlns:mc="http://schemas.openxmlformats.org/markup-compatibility/2006">
-    <mc:Choice xmlns:p14="http://schemas.microsoft.com/office/powerpoint/2010/main" Requires="p14">
+  <mc:AlternateContent xmlns:mc="http://schemas.openxmlformats.org/markup-compatibility/2006" xmlns:p14="http://schemas.microsoft.com/office/powerpoint/2010/main">
+    <mc:Choice Requires="p14">
       <p:transition spd="med" p14:dur="700" advTm="4514">
         <p:fade/>
       </p:transition>
     </mc:Choice>
-    <mc:Fallback>
+    <mc:Fallback xmlns="">
       <p:transition spd="med" advTm="4514">
         <p:fade/>
       </p:transition>
@@ -11492,13 +11492,13 @@
   <p:clrMapOvr>
     <a:masterClrMapping/>
   </p:clrMapOvr>
-  <mc:AlternateContent xmlns:mc="http://schemas.openxmlformats.org/markup-compatibility/2006">
-    <mc:Choice xmlns:p14="http://schemas.microsoft.com/office/powerpoint/2010/main" Requires="p14">
+  <mc:AlternateContent xmlns:mc="http://schemas.openxmlformats.org/markup-compatibility/2006" xmlns:p14="http://schemas.microsoft.com/office/powerpoint/2010/main">
+    <mc:Choice Requires="p14">
       <p:transition spd="med" p14:dur="700" advTm="14774">
         <p:fade/>
       </p:transition>
     </mc:Choice>
-    <mc:Fallback>
+    <mc:Fallback xmlns="">
       <p:transition spd="med" advTm="14774">
         <p:fade/>
       </p:transition>
@@ -11597,13 +11597,13 @@
   <p:clrMapOvr>
     <a:masterClrMapping/>
   </p:clrMapOvr>
-  <mc:AlternateContent xmlns:mc="http://schemas.openxmlformats.org/markup-compatibility/2006">
-    <mc:Choice xmlns:p14="http://schemas.microsoft.com/office/powerpoint/2010/main" Requires="p14">
+  <mc:AlternateContent xmlns:mc="http://schemas.openxmlformats.org/markup-compatibility/2006" xmlns:p14="http://schemas.microsoft.com/office/powerpoint/2010/main">
+    <mc:Choice Requires="p14">
       <p:transition spd="med" p14:dur="700" advTm="2844">
         <p:fade/>
       </p:transition>
     </mc:Choice>
-    <mc:Fallback>
+    <mc:Fallback xmlns="">
       <p:transition spd="med" advTm="2844">
         <p:fade/>
       </p:transition>
@@ -11720,13 +11720,13 @@
   <p:clrMapOvr>
     <a:masterClrMapping/>
   </p:clrMapOvr>
-  <mc:AlternateContent xmlns:mc="http://schemas.openxmlformats.org/markup-compatibility/2006">
-    <mc:Choice xmlns:p14="http://schemas.microsoft.com/office/powerpoint/2010/main" Requires="p14">
+  <mc:AlternateContent xmlns:mc="http://schemas.openxmlformats.org/markup-compatibility/2006" xmlns:p14="http://schemas.microsoft.com/office/powerpoint/2010/main">
+    <mc:Choice Requires="p14">
       <p:transition spd="med" p14:dur="700" advTm="11658">
         <p:fade/>
       </p:transition>
     </mc:Choice>
-    <mc:Fallback>
+    <mc:Fallback xmlns="">
       <p:transition spd="med" advTm="11658">
         <p:fade/>
       </p:transition>
@@ -11871,13 +11871,13 @@
   <p:clrMapOvr>
     <a:masterClrMapping/>
   </p:clrMapOvr>
-  <mc:AlternateContent xmlns:mc="http://schemas.openxmlformats.org/markup-compatibility/2006">
-    <mc:Choice xmlns:p14="http://schemas.microsoft.com/office/powerpoint/2010/main" Requires="p14">
+  <mc:AlternateContent xmlns:mc="http://schemas.openxmlformats.org/markup-compatibility/2006" xmlns:p14="http://schemas.microsoft.com/office/powerpoint/2010/main">
+    <mc:Choice Requires="p14">
       <p:transition spd="med" p14:dur="700" advTm="4748">
         <p:fade/>
       </p:transition>
     </mc:Choice>
-    <mc:Fallback>
+    <mc:Fallback xmlns="">
       <p:transition spd="med" advTm="4748">
         <p:fade/>
       </p:transition>
@@ -12527,13 +12527,13 @@
   <p:clrMapOvr>
     <a:masterClrMapping/>
   </p:clrMapOvr>
-  <mc:AlternateContent xmlns:mc="http://schemas.openxmlformats.org/markup-compatibility/2006">
-    <mc:Choice xmlns:p14="http://schemas.microsoft.com/office/powerpoint/2010/main" Requires="p14">
+  <mc:AlternateContent xmlns:mc="http://schemas.openxmlformats.org/markup-compatibility/2006" xmlns:p14="http://schemas.microsoft.com/office/powerpoint/2010/main">
+    <mc:Choice Requires="p14">
       <p:transition spd="med" p14:dur="700" advTm="38954">
         <p:fade/>
       </p:transition>
     </mc:Choice>
-    <mc:Fallback>
+    <mc:Fallback xmlns="">
       <p:transition spd="med" advTm="38954">
         <p:fade/>
       </p:transition>
@@ -12640,13 +12640,13 @@
   <p:clrMapOvr>
     <a:masterClrMapping/>
   </p:clrMapOvr>
-  <mc:AlternateContent xmlns:mc="http://schemas.openxmlformats.org/markup-compatibility/2006">
-    <mc:Choice xmlns:p14="http://schemas.microsoft.com/office/powerpoint/2010/main" Requires="p14">
+  <mc:AlternateContent xmlns:mc="http://schemas.openxmlformats.org/markup-compatibility/2006" xmlns:p14="http://schemas.microsoft.com/office/powerpoint/2010/main">
+    <mc:Choice Requires="p14">
       <p:transition spd="med" p14:dur="700" advTm="2201">
         <p:fade/>
       </p:transition>
     </mc:Choice>
-    <mc:Fallback>
+    <mc:Fallback xmlns="">
       <p:transition spd="med" advTm="2201">
         <p:fade/>
       </p:transition>
@@ -12788,13 +12788,13 @@
   <p:clrMapOvr>
     <a:masterClrMapping/>
   </p:clrMapOvr>
-  <mc:AlternateContent xmlns:mc="http://schemas.openxmlformats.org/markup-compatibility/2006">
-    <mc:Choice xmlns:p14="http://schemas.microsoft.com/office/powerpoint/2010/main" Requires="p14">
+  <mc:AlternateContent xmlns:mc="http://schemas.openxmlformats.org/markup-compatibility/2006" xmlns:p14="http://schemas.microsoft.com/office/powerpoint/2010/main">
+    <mc:Choice Requires="p14">
       <p:transition spd="med" p14:dur="700" advTm="10301">
         <p:fade/>
       </p:transition>
     </mc:Choice>
-    <mc:Fallback>
+    <mc:Fallback xmlns="">
       <p:transition spd="med" advTm="10301">
         <p:fade/>
       </p:transition>
@@ -12936,13 +12936,13 @@
   <p:clrMapOvr>
     <a:masterClrMapping/>
   </p:clrMapOvr>
-  <mc:AlternateContent xmlns:mc="http://schemas.openxmlformats.org/markup-compatibility/2006">
-    <mc:Choice xmlns:p14="http://schemas.microsoft.com/office/powerpoint/2010/main" Requires="p14">
+  <mc:AlternateContent xmlns:mc="http://schemas.openxmlformats.org/markup-compatibility/2006" xmlns:p14="http://schemas.microsoft.com/office/powerpoint/2010/main">
+    <mc:Choice Requires="p14">
       <p:transition spd="med" p14:dur="700" advTm="12488">
         <p:fade/>
       </p:transition>
     </mc:Choice>
-    <mc:Fallback>
+    <mc:Fallback xmlns="">
       <p:transition spd="med" advTm="12488">
         <p:fade/>
       </p:transition>
@@ -13049,13 +13049,13 @@
   <p:clrMapOvr>
     <a:masterClrMapping/>
   </p:clrMapOvr>
-  <mc:AlternateContent xmlns:mc="http://schemas.openxmlformats.org/markup-compatibility/2006">
-    <mc:Choice xmlns:p14="http://schemas.microsoft.com/office/powerpoint/2010/main" Requires="p14">
+  <mc:AlternateContent xmlns:mc="http://schemas.openxmlformats.org/markup-compatibility/2006" xmlns:p14="http://schemas.microsoft.com/office/powerpoint/2010/main">
+    <mc:Choice Requires="p14">
       <p:transition spd="med" p14:dur="700" advTm="3631">
         <p:fade/>
       </p:transition>
     </mc:Choice>
-    <mc:Fallback>
+    <mc:Fallback xmlns="">
       <p:transition spd="med" advTm="3631">
         <p:fade/>
       </p:transition>
@@ -13494,13 +13494,13 @@
   <p:clrMapOvr>
     <a:masterClrMapping/>
   </p:clrMapOvr>
-  <mc:AlternateContent xmlns:mc="http://schemas.openxmlformats.org/markup-compatibility/2006">
-    <mc:Choice xmlns:p14="http://schemas.microsoft.com/office/powerpoint/2010/main" Requires="p14">
+  <mc:AlternateContent xmlns:mc="http://schemas.openxmlformats.org/markup-compatibility/2006" xmlns:p14="http://schemas.microsoft.com/office/powerpoint/2010/main">
+    <mc:Choice Requires="p14">
       <p:transition spd="med" p14:dur="700" advTm="23949">
         <p:fade/>
       </p:transition>
     </mc:Choice>
-    <mc:Fallback>
+    <mc:Fallback xmlns="">
       <p:transition spd="med" advTm="23949">
         <p:fade/>
       </p:transition>
@@ -14273,6 +14273,15 @@
 </file>
 
 <file path=customXml/item1.xml><?xml version="1.0" encoding="utf-8"?>
+<?mso-contentType ?>
+<FormTemplates xmlns="http://schemas.microsoft.com/sharepoint/v3/contenttype/forms">
+  <Display>DocumentLibraryForm</Display>
+  <Edit>DocumentLibraryForm</Edit>
+  <New>DocumentLibraryForm</New>
+</FormTemplates>
+</file>
+
+<file path=customXml/item2.xml><?xml version="1.0" encoding="utf-8"?>
 <ct:contentTypeSchema xmlns:ct="http://schemas.microsoft.com/office/2006/metadata/contentType" xmlns:ma="http://schemas.microsoft.com/office/2006/metadata/properties/metaAttributes" ct:_="" ma:_="" ma:contentTypeName="Document" ma:contentTypeID="0x010100C089011499791B4EB69D0A56FFA67F2B" ma:contentTypeVersion="30" ma:contentTypeDescription="Create a new document." ma:contentTypeScope="" ma:versionID="f76dc847e91b26043a9f85409c9c8da8">
   <xsd:schema xmlns:xsd="http://www.w3.org/2001/XMLSchema" xmlns:xs="http://www.w3.org/2001/XMLSchema" xmlns:p="http://schemas.microsoft.com/office/2006/metadata/properties" xmlns:ns3="bf3e1746-bde1-4d6e-9c3f-7182572f7502" xmlns:ns4="14224164-2045-4b51-92bb-313d0f626d83" targetNamespace="http://schemas.microsoft.com/office/2006/metadata/properties" ma:root="true" ma:fieldsID="e77e75136ac7a83ebab10a30c2d6fe6c" ns3:_="" ns4:_="">
     <xsd:import namespace="bf3e1746-bde1-4d6e-9c3f-7182572f7502"/>
@@ -14663,15 +14672,6 @@
 </ct:contentTypeSchema>
 </file>
 
-<file path=customXml/item2.xml><?xml version="1.0" encoding="utf-8"?>
-<?mso-contentType ?>
-<FormTemplates xmlns="http://schemas.microsoft.com/sharepoint/v3/contenttype/forms">
-  <Display>DocumentLibraryForm</Display>
-  <Edit>DocumentLibraryForm</Edit>
-  <New>DocumentLibraryForm</New>
-</FormTemplates>
-</file>
-
 <file path=customXml/item3.xml><?xml version="1.0" encoding="utf-8"?>
 <p:properties xmlns:p="http://schemas.microsoft.com/office/2006/metadata/properties" xmlns:xsi="http://www.w3.org/2001/XMLSchema-instance" xmlns:pc="http://schemas.microsoft.com/office/infopath/2007/PartnerControls">
   <documentManagement>
@@ -14724,6 +14724,14 @@
 </file>
 
 <file path=customXml/itemProps1.xml><?xml version="1.0" encoding="utf-8"?>
+<ds:datastoreItem xmlns:ds="http://schemas.openxmlformats.org/officeDocument/2006/customXml" ds:itemID="{B024FD56-CE1B-42FC-9E83-BFBF160724C6}">
+  <ds:schemaRefs>
+    <ds:schemaRef ds:uri="http://schemas.microsoft.com/sharepoint/v3/contenttype/forms"/>
+  </ds:schemaRefs>
+</ds:datastoreItem>
+</file>
+
+<file path=customXml/itemProps2.xml><?xml version="1.0" encoding="utf-8"?>
 <ds:datastoreItem xmlns:ds="http://schemas.openxmlformats.org/officeDocument/2006/customXml" ds:itemID="{A129B439-51BE-4A7D-9272-FBD057297E66}">
   <ds:schemaRefs>
     <ds:schemaRef ds:uri="http://schemas.microsoft.com/office/2006/metadata/contentType"/>
@@ -14738,14 +14746,6 @@
     <ds:schemaRef ds:uri="http://purl.org/dc/elements/1.1/"/>
     <ds:schemaRef ds:uri="http://purl.org/dc/terms/"/>
     <ds:schemaRef ds:uri="http://schemas.microsoft.com/internal/obd"/>
-  </ds:schemaRefs>
-</ds:datastoreItem>
-</file>
-
-<file path=customXml/itemProps2.xml><?xml version="1.0" encoding="utf-8"?>
-<ds:datastoreItem xmlns:ds="http://schemas.openxmlformats.org/officeDocument/2006/customXml" ds:itemID="{B024FD56-CE1B-42FC-9E83-BFBF160724C6}">
-  <ds:schemaRefs>
-    <ds:schemaRef ds:uri="http://schemas.microsoft.com/sharepoint/v3/contenttype/forms"/>
   </ds:schemaRefs>
 </ds:datastoreItem>
 </file>
